--- a/make_presentation/templates/templates/style/end.pptx
+++ b/make_presentation/templates/templates/style/end.pptx
@@ -63,7 +63,7 @@
         <p:txBody>
           <a:bodyPr/>
           <a:p>
-            <a:fld id="{80CD59E5-28EB-4B38-9F91-29F564351851}" type="slidenum">
+            <a:fld id="{F276A541-B6CB-450A-B0A3-240093490676}" type="slidenum">
               <a:t>&lt;#&gt;</a:t>
             </a:fld>
           </a:p>
@@ -114,7 +114,7 @@
       </p:grpSpPr>
       <p:sp>
         <p:nvSpPr>
-          <p:cNvPr id="26" name="PlaceHolder 1"/>
+          <p:cNvPr id="24" name="PlaceHolder 1"/>
           <p:cNvSpPr>
             <a:spLocks noGrp="1"/>
           </p:cNvSpPr>
@@ -151,7 +151,7 @@
       </p:sp>
       <p:sp>
         <p:nvSpPr>
-          <p:cNvPr id="27" name="PlaceHolder 2"/>
+          <p:cNvPr id="25" name="PlaceHolder 2"/>
           <p:cNvSpPr>
             <a:spLocks noGrp="1"/>
           </p:cNvSpPr>
@@ -185,7 +185,7 @@
       </p:sp>
       <p:sp>
         <p:nvSpPr>
-          <p:cNvPr id="28" name="PlaceHolder 3"/>
+          <p:cNvPr id="26" name="PlaceHolder 3"/>
           <p:cNvSpPr>
             <a:spLocks noGrp="1"/>
           </p:cNvSpPr>
@@ -251,7 +251,7 @@
         <p:txBody>
           <a:bodyPr/>
           <a:p>
-            <a:fld id="{419C611F-A631-415D-9440-9BFD407FF26C}" type="slidenum">
+            <a:fld id="{DFA2DB10-94C3-45F8-B8C9-54606F348AB7}" type="slidenum">
               <a:t>&lt;#&gt;</a:t>
             </a:fld>
           </a:p>
@@ -302,7 +302,7 @@
       </p:grpSpPr>
       <p:sp>
         <p:nvSpPr>
-          <p:cNvPr id="29" name="PlaceHolder 1"/>
+          <p:cNvPr id="27" name="PlaceHolder 1"/>
           <p:cNvSpPr>
             <a:spLocks noGrp="1"/>
           </p:cNvSpPr>
@@ -339,7 +339,7 @@
       </p:sp>
       <p:sp>
         <p:nvSpPr>
-          <p:cNvPr id="30" name="PlaceHolder 2"/>
+          <p:cNvPr id="28" name="PlaceHolder 2"/>
           <p:cNvSpPr>
             <a:spLocks noGrp="1"/>
           </p:cNvSpPr>
@@ -373,7 +373,7 @@
       </p:sp>
       <p:sp>
         <p:nvSpPr>
-          <p:cNvPr id="31" name="PlaceHolder 3"/>
+          <p:cNvPr id="29" name="PlaceHolder 3"/>
           <p:cNvSpPr>
             <a:spLocks noGrp="1"/>
           </p:cNvSpPr>
@@ -407,7 +407,7 @@
       </p:sp>
       <p:sp>
         <p:nvSpPr>
-          <p:cNvPr id="32" name="PlaceHolder 4"/>
+          <p:cNvPr id="30" name="PlaceHolder 4"/>
           <p:cNvSpPr>
             <a:spLocks noGrp="1"/>
           </p:cNvSpPr>
@@ -441,7 +441,7 @@
       </p:sp>
       <p:sp>
         <p:nvSpPr>
-          <p:cNvPr id="33" name="PlaceHolder 5"/>
+          <p:cNvPr id="31" name="PlaceHolder 5"/>
           <p:cNvSpPr>
             <a:spLocks noGrp="1"/>
           </p:cNvSpPr>
@@ -507,7 +507,7 @@
         <p:txBody>
           <a:bodyPr/>
           <a:p>
-            <a:fld id="{CA1DBDF2-9631-49CF-85E4-F63FEC3C6104}" type="slidenum">
+            <a:fld id="{5DE5C570-92D3-4BE6-96C6-477BFE7EE2C1}" type="slidenum">
               <a:t>&lt;#&gt;</a:t>
             </a:fld>
           </a:p>
@@ -558,7 +558,7 @@
       </p:grpSpPr>
       <p:sp>
         <p:nvSpPr>
-          <p:cNvPr id="34" name="PlaceHolder 1"/>
+          <p:cNvPr id="32" name="PlaceHolder 1"/>
           <p:cNvSpPr>
             <a:spLocks noGrp="1"/>
           </p:cNvSpPr>
@@ -595,7 +595,7 @@
       </p:sp>
       <p:sp>
         <p:nvSpPr>
-          <p:cNvPr id="35" name="PlaceHolder 2"/>
+          <p:cNvPr id="33" name="PlaceHolder 2"/>
           <p:cNvSpPr>
             <a:spLocks noGrp="1"/>
           </p:cNvSpPr>
@@ -629,7 +629,7 @@
       </p:sp>
       <p:sp>
         <p:nvSpPr>
-          <p:cNvPr id="36" name="PlaceHolder 3"/>
+          <p:cNvPr id="34" name="PlaceHolder 3"/>
           <p:cNvSpPr>
             <a:spLocks noGrp="1"/>
           </p:cNvSpPr>
@@ -663,7 +663,7 @@
       </p:sp>
       <p:sp>
         <p:nvSpPr>
-          <p:cNvPr id="37" name="PlaceHolder 4"/>
+          <p:cNvPr id="35" name="PlaceHolder 4"/>
           <p:cNvSpPr>
             <a:spLocks noGrp="1"/>
           </p:cNvSpPr>
@@ -697,7 +697,7 @@
       </p:sp>
       <p:sp>
         <p:nvSpPr>
-          <p:cNvPr id="38" name="PlaceHolder 5"/>
+          <p:cNvPr id="36" name="PlaceHolder 5"/>
           <p:cNvSpPr>
             <a:spLocks noGrp="1"/>
           </p:cNvSpPr>
@@ -731,7 +731,7 @@
       </p:sp>
       <p:sp>
         <p:nvSpPr>
-          <p:cNvPr id="39" name="PlaceHolder 6"/>
+          <p:cNvPr id="37" name="PlaceHolder 6"/>
           <p:cNvSpPr>
             <a:spLocks noGrp="1"/>
           </p:cNvSpPr>
@@ -765,7 +765,7 @@
       </p:sp>
       <p:sp>
         <p:nvSpPr>
-          <p:cNvPr id="40" name="PlaceHolder 7"/>
+          <p:cNvPr id="38" name="PlaceHolder 7"/>
           <p:cNvSpPr>
             <a:spLocks noGrp="1"/>
           </p:cNvSpPr>
@@ -831,7 +831,7 @@
         <p:txBody>
           <a:bodyPr/>
           <a:p>
-            <a:fld id="{5453E4A3-D87C-4DCF-BB06-169151B98DE9}" type="slidenum">
+            <a:fld id="{E33BFB47-ECD4-4DE0-AC1E-588D8DDAE086}" type="slidenum">
               <a:t>&lt;#&gt;</a:t>
             </a:fld>
           </a:p>
@@ -882,7 +882,7 @@
       </p:grpSpPr>
       <p:sp>
         <p:nvSpPr>
-          <p:cNvPr id="5" name="PlaceHolder 1"/>
+          <p:cNvPr id="3" name="PlaceHolder 1"/>
           <p:cNvSpPr>
             <a:spLocks noGrp="1"/>
           </p:cNvSpPr>
@@ -919,7 +919,7 @@
       </p:sp>
       <p:sp>
         <p:nvSpPr>
-          <p:cNvPr id="6" name="PlaceHolder 2"/>
+          <p:cNvPr id="4" name="PlaceHolder 2"/>
           <p:cNvSpPr>
             <a:spLocks noGrp="1"/>
           </p:cNvSpPr>
@@ -988,7 +988,7 @@
         <p:txBody>
           <a:bodyPr/>
           <a:p>
-            <a:fld id="{82D53280-2771-4AE3-91E7-3DA8B61F4284}" type="slidenum">
+            <a:fld id="{60445E88-3AE8-4139-9350-1EBB4A9D79C4}" type="slidenum">
               <a:t>&lt;#&gt;</a:t>
             </a:fld>
           </a:p>
@@ -1039,7 +1039,7 @@
       </p:grpSpPr>
       <p:sp>
         <p:nvSpPr>
-          <p:cNvPr id="7" name="PlaceHolder 1"/>
+          <p:cNvPr id="5" name="PlaceHolder 1"/>
           <p:cNvSpPr>
             <a:spLocks noGrp="1"/>
           </p:cNvSpPr>
@@ -1076,7 +1076,7 @@
       </p:sp>
       <p:sp>
         <p:nvSpPr>
-          <p:cNvPr id="8" name="PlaceHolder 2"/>
+          <p:cNvPr id="6" name="PlaceHolder 2"/>
           <p:cNvSpPr>
             <a:spLocks noGrp="1"/>
           </p:cNvSpPr>
@@ -1142,7 +1142,7 @@
         <p:txBody>
           <a:bodyPr/>
           <a:p>
-            <a:fld id="{5048D584-B9F5-44C9-B65D-A33DF7A13C51}" type="slidenum">
+            <a:fld id="{D6F52DF7-CBD8-4361-B480-4A5D9F72B287}" type="slidenum">
               <a:t>&lt;#&gt;</a:t>
             </a:fld>
           </a:p>
@@ -1193,7 +1193,7 @@
       </p:grpSpPr>
       <p:sp>
         <p:nvSpPr>
-          <p:cNvPr id="9" name="PlaceHolder 1"/>
+          <p:cNvPr id="7" name="PlaceHolder 1"/>
           <p:cNvSpPr>
             <a:spLocks noGrp="1"/>
           </p:cNvSpPr>
@@ -1230,7 +1230,7 @@
       </p:sp>
       <p:sp>
         <p:nvSpPr>
-          <p:cNvPr id="10" name="PlaceHolder 2"/>
+          <p:cNvPr id="8" name="PlaceHolder 2"/>
           <p:cNvSpPr>
             <a:spLocks noGrp="1"/>
           </p:cNvSpPr>
@@ -1264,7 +1264,7 @@
       </p:sp>
       <p:sp>
         <p:nvSpPr>
-          <p:cNvPr id="11" name="PlaceHolder 3"/>
+          <p:cNvPr id="9" name="PlaceHolder 3"/>
           <p:cNvSpPr>
             <a:spLocks noGrp="1"/>
           </p:cNvSpPr>
@@ -1330,7 +1330,7 @@
         <p:txBody>
           <a:bodyPr/>
           <a:p>
-            <a:fld id="{40369623-5AAE-4CF0-8271-5CE356A56BC4}" type="slidenum">
+            <a:fld id="{3862F949-849C-441E-9DE1-7BC9B21486F1}" type="slidenum">
               <a:t>&lt;#&gt;</a:t>
             </a:fld>
           </a:p>
@@ -1381,7 +1381,7 @@
       </p:grpSpPr>
       <p:sp>
         <p:nvSpPr>
-          <p:cNvPr id="12" name="PlaceHolder 1"/>
+          <p:cNvPr id="10" name="PlaceHolder 1"/>
           <p:cNvSpPr>
             <a:spLocks noGrp="1"/>
           </p:cNvSpPr>
@@ -1450,7 +1450,7 @@
         <p:txBody>
           <a:bodyPr/>
           <a:p>
-            <a:fld id="{0BEE20CB-6C2D-4695-81C8-2C36D64F37E7}" type="slidenum">
+            <a:fld id="{A4A51D48-DBC4-42E2-A32C-2F3D806F4B91}" type="slidenum">
               <a:t>&lt;#&gt;</a:t>
             </a:fld>
           </a:p>
@@ -1501,7 +1501,7 @@
       </p:grpSpPr>
       <p:sp>
         <p:nvSpPr>
-          <p:cNvPr id="13" name="PlaceHolder 1"/>
+          <p:cNvPr id="11" name="PlaceHolder 1"/>
           <p:cNvSpPr>
             <a:spLocks noGrp="1"/>
           </p:cNvSpPr>
@@ -1570,7 +1570,7 @@
         <p:txBody>
           <a:bodyPr/>
           <a:p>
-            <a:fld id="{0DA2061A-3663-4F9D-97F9-C0B283B561B7}" type="slidenum">
+            <a:fld id="{DFA66A13-B5C4-4FCA-B007-DC0D37D9716F}" type="slidenum">
               <a:t>&lt;#&gt;</a:t>
             </a:fld>
           </a:p>
@@ -1621,7 +1621,7 @@
       </p:grpSpPr>
       <p:sp>
         <p:nvSpPr>
-          <p:cNvPr id="14" name="PlaceHolder 1"/>
+          <p:cNvPr id="12" name="PlaceHolder 1"/>
           <p:cNvSpPr>
             <a:spLocks noGrp="1"/>
           </p:cNvSpPr>
@@ -1658,7 +1658,7 @@
       </p:sp>
       <p:sp>
         <p:nvSpPr>
-          <p:cNvPr id="15" name="PlaceHolder 2"/>
+          <p:cNvPr id="13" name="PlaceHolder 2"/>
           <p:cNvSpPr>
             <a:spLocks noGrp="1"/>
           </p:cNvSpPr>
@@ -1692,7 +1692,7 @@
       </p:sp>
       <p:sp>
         <p:nvSpPr>
-          <p:cNvPr id="16" name="PlaceHolder 3"/>
+          <p:cNvPr id="14" name="PlaceHolder 3"/>
           <p:cNvSpPr>
             <a:spLocks noGrp="1"/>
           </p:cNvSpPr>
@@ -1726,7 +1726,7 @@
       </p:sp>
       <p:sp>
         <p:nvSpPr>
-          <p:cNvPr id="17" name="PlaceHolder 4"/>
+          <p:cNvPr id="15" name="PlaceHolder 4"/>
           <p:cNvSpPr>
             <a:spLocks noGrp="1"/>
           </p:cNvSpPr>
@@ -1792,7 +1792,7 @@
         <p:txBody>
           <a:bodyPr/>
           <a:p>
-            <a:fld id="{1D305C54-57B1-4F6F-BEDB-A663D1430791}" type="slidenum">
+            <a:fld id="{5A41370D-9DF5-4CC5-80EB-F4505AE10D96}" type="slidenum">
               <a:t>&lt;#&gt;</a:t>
             </a:fld>
           </a:p>
@@ -1843,7 +1843,7 @@
       </p:grpSpPr>
       <p:sp>
         <p:nvSpPr>
-          <p:cNvPr id="18" name="PlaceHolder 1"/>
+          <p:cNvPr id="16" name="PlaceHolder 1"/>
           <p:cNvSpPr>
             <a:spLocks noGrp="1"/>
           </p:cNvSpPr>
@@ -1880,7 +1880,7 @@
       </p:sp>
       <p:sp>
         <p:nvSpPr>
-          <p:cNvPr id="19" name="PlaceHolder 2"/>
+          <p:cNvPr id="17" name="PlaceHolder 2"/>
           <p:cNvSpPr>
             <a:spLocks noGrp="1"/>
           </p:cNvSpPr>
@@ -1914,7 +1914,7 @@
       </p:sp>
       <p:sp>
         <p:nvSpPr>
-          <p:cNvPr id="20" name="PlaceHolder 3"/>
+          <p:cNvPr id="18" name="PlaceHolder 3"/>
           <p:cNvSpPr>
             <a:spLocks noGrp="1"/>
           </p:cNvSpPr>
@@ -1948,7 +1948,7 @@
       </p:sp>
       <p:sp>
         <p:nvSpPr>
-          <p:cNvPr id="21" name="PlaceHolder 4"/>
+          <p:cNvPr id="19" name="PlaceHolder 4"/>
           <p:cNvSpPr>
             <a:spLocks noGrp="1"/>
           </p:cNvSpPr>
@@ -2014,7 +2014,7 @@
         <p:txBody>
           <a:bodyPr/>
           <a:p>
-            <a:fld id="{A7A6EC69-0968-4720-9887-BCDC29D03076}" type="slidenum">
+            <a:fld id="{33927922-2CBA-49C8-A9F4-33E638D41739}" type="slidenum">
               <a:t>&lt;#&gt;</a:t>
             </a:fld>
           </a:p>
@@ -2065,7 +2065,7 @@
       </p:grpSpPr>
       <p:sp>
         <p:nvSpPr>
-          <p:cNvPr id="22" name="PlaceHolder 1"/>
+          <p:cNvPr id="20" name="PlaceHolder 1"/>
           <p:cNvSpPr>
             <a:spLocks noGrp="1"/>
           </p:cNvSpPr>
@@ -2102,7 +2102,7 @@
       </p:sp>
       <p:sp>
         <p:nvSpPr>
-          <p:cNvPr id="23" name="PlaceHolder 2"/>
+          <p:cNvPr id="21" name="PlaceHolder 2"/>
           <p:cNvSpPr>
             <a:spLocks noGrp="1"/>
           </p:cNvSpPr>
@@ -2136,7 +2136,7 @@
       </p:sp>
       <p:sp>
         <p:nvSpPr>
-          <p:cNvPr id="24" name="PlaceHolder 3"/>
+          <p:cNvPr id="22" name="PlaceHolder 3"/>
           <p:cNvSpPr>
             <a:spLocks noGrp="1"/>
           </p:cNvSpPr>
@@ -2170,7 +2170,7 @@
       </p:sp>
       <p:sp>
         <p:nvSpPr>
-          <p:cNvPr id="25" name="PlaceHolder 4"/>
+          <p:cNvPr id="23" name="PlaceHolder 4"/>
           <p:cNvSpPr>
             <a:spLocks noGrp="1"/>
           </p:cNvSpPr>
@@ -2236,7 +2236,7 @@
         <p:txBody>
           <a:bodyPr/>
           <a:p>
-            <a:fld id="{EA312370-9364-4024-AEE7-463368FEAF25}" type="slidenum">
+            <a:fld id="{6E13E388-E81C-4D99-ACDB-6BBC0B6EB8C0}" type="slidenum">
               <a:t>&lt;#&gt;</a:t>
             </a:fld>
           </a:p>
@@ -2306,7 +2306,7 @@
         <p:spPr>
           <a:xfrm>
             <a:off x="3029040" y="4767120"/>
-            <a:ext cx="3081960" cy="269640"/>
+            <a:ext cx="3083760" cy="271440"/>
           </a:xfrm>
           <a:prstGeom prst="rect">
             <a:avLst/>
@@ -2363,7 +2363,7 @@
         <p:spPr>
           <a:xfrm>
             <a:off x="6458040" y="4767120"/>
-            <a:ext cx="2053080" cy="269640"/>
+            <a:ext cx="2054880" cy="271440"/>
           </a:xfrm>
           <a:prstGeom prst="rect">
             <a:avLst/>
@@ -2398,7 +2398,7 @@
               </a:lnSpc>
               <a:buNone/>
             </a:pPr>
-            <a:fld id="{2C8E92FD-8B14-4F9F-B6A2-1C374B01EF11}" type="slidenum">
+            <a:fld id="{76D600CF-858B-47C8-9889-1F592A0C5128}" type="slidenum">
               <a:rPr b="0" lang="en-US" sz="900" spc="-1" strike="noStrike">
                 <a:solidFill>
                   <a:srgbClr val="8b8b8b"/>
@@ -2426,7 +2426,7 @@
         <p:spPr>
           <a:xfrm>
             <a:off x="628560" y="4767120"/>
-            <a:ext cx="2053080" cy="269640"/>
+            <a:ext cx="2054880" cy="271440"/>
           </a:xfrm>
           <a:prstGeom prst="rect">
             <a:avLst/>
@@ -2456,232 +2456,6 @@
             </a:r>
             <a:endParaRPr b="0" lang="en-US" sz="1400" spc="-1" strike="noStrike">
               <a:latin typeface="Times New Roman"/>
-            </a:endParaRPr>
-          </a:p>
-        </p:txBody>
-      </p:sp>
-      <p:sp>
-        <p:nvSpPr>
-          <p:cNvPr id="3" name="PlaceHolder 4"/>
-          <p:cNvSpPr>
-            <a:spLocks noGrp="1"/>
-          </p:cNvSpPr>
-          <p:nvPr>
-            <p:ph type="title"/>
-          </p:nvPr>
-        </p:nvSpPr>
-        <p:spPr>
-          <a:xfrm>
-            <a:off x="457200" y="205200"/>
-            <a:ext cx="8229240" cy="858600"/>
-          </a:xfrm>
-          <a:prstGeom prst="rect">
-            <a:avLst/>
-          </a:prstGeom>
-          <a:noFill/>
-          <a:ln w="0">
-            <a:noFill/>
-          </a:ln>
-        </p:spPr>
-        <p:txBody>
-          <a:bodyPr lIns="0" rIns="0" tIns="0" bIns="0" anchor="ctr">
-            <a:noAutofit/>
-          </a:bodyPr>
-          <a:p>
-            <a:pPr algn="ctr">
-              <a:buNone/>
-            </a:pPr>
-            <a:r>
-              <a:rPr b="0" lang="en-US" sz="4400" spc="-1" strike="noStrike">
-                <a:latin typeface="Arial"/>
-              </a:rPr>
-              <a:t>Click to edit the title text format</a:t>
-            </a:r>
-            <a:endParaRPr b="0" lang="en-US" sz="4400" spc="-1" strike="noStrike">
-              <a:latin typeface="Arial"/>
-            </a:endParaRPr>
-          </a:p>
-        </p:txBody>
-      </p:sp>
-      <p:sp>
-        <p:nvSpPr>
-          <p:cNvPr id="4" name="PlaceHolder 5"/>
-          <p:cNvSpPr>
-            <a:spLocks noGrp="1"/>
-          </p:cNvSpPr>
-          <p:nvPr>
-            <p:ph type="body"/>
-          </p:nvPr>
-        </p:nvSpPr>
-        <p:spPr>
-          <a:xfrm>
-            <a:off x="457200" y="1203480"/>
-            <a:ext cx="8229240" cy="2982960"/>
-          </a:xfrm>
-          <a:prstGeom prst="rect">
-            <a:avLst/>
-          </a:prstGeom>
-          <a:noFill/>
-          <a:ln w="0">
-            <a:noFill/>
-          </a:ln>
-        </p:spPr>
-        <p:txBody>
-          <a:bodyPr lIns="0" rIns="0" tIns="0" bIns="0" anchor="t">
-            <a:normAutofit/>
-          </a:bodyPr>
-          <a:p>
-            <a:pPr marL="432000" indent="-324000">
-              <a:spcBef>
-                <a:spcPts val="1417"/>
-              </a:spcBef>
-              <a:buClr>
-                <a:srgbClr val="ffffff"/>
-              </a:buClr>
-              <a:buSzPct val="45000"/>
-              <a:buFont typeface="Wingdings" charset="2"/>
-              <a:buChar char=""/>
-            </a:pPr>
-            <a:r>
-              <a:rPr b="0" lang="en-US" sz="3200" spc="-1" strike="noStrike">
-                <a:latin typeface="Arial"/>
-              </a:rPr>
-              <a:t>Click to edit the outline text format</a:t>
-            </a:r>
-            <a:endParaRPr b="0" lang="en-US" sz="3200" spc="-1" strike="noStrike">
-              <a:latin typeface="Arial"/>
-            </a:endParaRPr>
-          </a:p>
-          <a:p>
-            <a:pPr lvl="1" marL="864000" indent="-324000">
-              <a:spcBef>
-                <a:spcPts val="1134"/>
-              </a:spcBef>
-              <a:buClr>
-                <a:srgbClr val="ffffff"/>
-              </a:buClr>
-              <a:buSzPct val="75000"/>
-              <a:buFont typeface="Symbol" charset="2"/>
-              <a:buChar char=""/>
-            </a:pPr>
-            <a:r>
-              <a:rPr b="0" lang="en-US" sz="2800" spc="-1" strike="noStrike">
-                <a:latin typeface="Arial"/>
-              </a:rPr>
-              <a:t>Second Outline Level</a:t>
-            </a:r>
-            <a:endParaRPr b="0" lang="en-US" sz="2800" spc="-1" strike="noStrike">
-              <a:latin typeface="Arial"/>
-            </a:endParaRPr>
-          </a:p>
-          <a:p>
-            <a:pPr lvl="2" marL="1296000" indent="-288000">
-              <a:spcBef>
-                <a:spcPts val="850"/>
-              </a:spcBef>
-              <a:buClr>
-                <a:srgbClr val="ffffff"/>
-              </a:buClr>
-              <a:buSzPct val="45000"/>
-              <a:buFont typeface="Wingdings" charset="2"/>
-              <a:buChar char=""/>
-            </a:pPr>
-            <a:r>
-              <a:rPr b="0" lang="en-US" sz="2400" spc="-1" strike="noStrike">
-                <a:latin typeface="Arial"/>
-              </a:rPr>
-              <a:t>Third Outline Level</a:t>
-            </a:r>
-            <a:endParaRPr b="0" lang="en-US" sz="2400" spc="-1" strike="noStrike">
-              <a:latin typeface="Arial"/>
-            </a:endParaRPr>
-          </a:p>
-          <a:p>
-            <a:pPr lvl="3" marL="1728000" indent="-216000">
-              <a:spcBef>
-                <a:spcPts val="567"/>
-              </a:spcBef>
-              <a:buClr>
-                <a:srgbClr val="ffffff"/>
-              </a:buClr>
-              <a:buSzPct val="75000"/>
-              <a:buFont typeface="Symbol" charset="2"/>
-              <a:buChar char=""/>
-            </a:pPr>
-            <a:r>
-              <a:rPr b="0" lang="en-US" sz="2000" spc="-1" strike="noStrike">
-                <a:latin typeface="Arial"/>
-              </a:rPr>
-              <a:t>Fourth Outline Level</a:t>
-            </a:r>
-            <a:endParaRPr b="0" lang="en-US" sz="2000" spc="-1" strike="noStrike">
-              <a:latin typeface="Arial"/>
-            </a:endParaRPr>
-          </a:p>
-          <a:p>
-            <a:pPr lvl="4" marL="2160000" indent="-216000">
-              <a:spcBef>
-                <a:spcPts val="283"/>
-              </a:spcBef>
-              <a:buClr>
-                <a:srgbClr val="ffffff"/>
-              </a:buClr>
-              <a:buSzPct val="45000"/>
-              <a:buFont typeface="Wingdings" charset="2"/>
-              <a:buChar char=""/>
-            </a:pPr>
-            <a:r>
-              <a:rPr b="0" lang="en-US" sz="2000" spc="-1" strike="noStrike">
-                <a:latin typeface="Arial"/>
-              </a:rPr>
-              <a:t>Fifth Outline Level</a:t>
-            </a:r>
-            <a:endParaRPr b="0" lang="en-US" sz="2000" spc="-1" strike="noStrike">
-              <a:latin typeface="Arial"/>
-            </a:endParaRPr>
-          </a:p>
-          <a:p>
-            <a:pPr lvl="5" marL="2592000" indent="-216000">
-              <a:spcBef>
-                <a:spcPts val="283"/>
-              </a:spcBef>
-              <a:buClr>
-                <a:srgbClr val="ffffff"/>
-              </a:buClr>
-              <a:buSzPct val="45000"/>
-              <a:buFont typeface="Wingdings" charset="2"/>
-              <a:buChar char=""/>
-            </a:pPr>
-            <a:r>
-              <a:rPr b="0" lang="en-US" sz="2000" spc="-1" strike="noStrike">
-                <a:latin typeface="Arial"/>
-              </a:rPr>
-              <a:t>Sixth Outline Level</a:t>
-            </a:r>
-            <a:endParaRPr b="0" lang="en-US" sz="2000" spc="-1" strike="noStrike">
-              <a:latin typeface="Arial"/>
-            </a:endParaRPr>
-          </a:p>
-          <a:p>
-            <a:pPr lvl="6" marL="3024000" indent="-216000">
-              <a:spcBef>
-                <a:spcPts val="283"/>
-              </a:spcBef>
-              <a:buClr>
-                <a:srgbClr val="ffffff"/>
-              </a:buClr>
-              <a:buSzPct val="45000"/>
-              <a:buFont typeface="Wingdings" charset="2"/>
-              <a:buChar char=""/>
-            </a:pPr>
-            <a:r>
-              <a:rPr b="0" lang="en-US" sz="2000" spc="-1" strike="noStrike">
-                <a:latin typeface="Arial"/>
-              </a:rPr>
-              <a:t>Seventh Outline Level</a:t>
-            </a:r>
-            <a:endParaRPr b="0" lang="en-US" sz="2000" spc="-1" strike="noStrike">
-              <a:latin typeface="Arial"/>
             </a:endParaRPr>
           </a:p>
         </p:txBody>
@@ -2723,39 +2497,16 @@
           <a:chExt cx="0" cy="0"/>
         </a:xfrm>
       </p:grpSpPr>
-      <p:pic>
-        <p:nvPicPr>
-          <p:cNvPr id="41" name="Рисунок 6" descr=""/>
-          <p:cNvPicPr/>
-          <p:nvPr/>
-        </p:nvPicPr>
-        <p:blipFill>
-          <a:blip r:embed="rId1"/>
-          <a:stretch/>
-        </p:blipFill>
-        <p:spPr>
-          <a:xfrm>
-            <a:off x="2258640" y="0"/>
-            <a:ext cx="7563600" cy="5139360"/>
-          </a:xfrm>
-          <a:prstGeom prst="rect">
-            <a:avLst/>
-          </a:prstGeom>
-          <a:ln w="0">
-            <a:noFill/>
-          </a:ln>
-        </p:spPr>
-      </p:pic>
-      <p:sp>
-        <p:nvSpPr>
-          <p:cNvPr id="42" name="Прямоугольник 5"/>
+      <p:sp>
+        <p:nvSpPr>
+          <p:cNvPr id="39" name="Прямоугольник 5"/>
           <p:cNvSpPr/>
           <p:nvPr/>
         </p:nvSpPr>
         <p:spPr>
           <a:xfrm>
             <a:off x="1640880" y="4588920"/>
-            <a:ext cx="2995200" cy="265680"/>
+            <a:ext cx="2997000" cy="267480"/>
           </a:xfrm>
           <a:prstGeom prst="rect">
             <a:avLst/>
@@ -2810,20 +2561,20 @@
       </p:sp>
       <p:sp>
         <p:nvSpPr>
-          <p:cNvPr id="43" name="Изображение 40"/>
+          <p:cNvPr id="40" name="Изображение 40"/>
           <p:cNvSpPr/>
           <p:nvPr/>
         </p:nvSpPr>
         <p:spPr>
           <a:xfrm>
             <a:off x="867240" y="3587040"/>
-            <a:ext cx="253080" cy="253080"/>
+            <a:ext cx="254880" cy="254880"/>
           </a:xfrm>
           <a:prstGeom prst="ellipse">
             <a:avLst/>
           </a:prstGeom>
           <a:blipFill rotWithShape="0">
-            <a:blip r:embed="rId2"/>
+            <a:blip r:embed="rId1"/>
             <a:srcRect/>
             <a:stretch/>
           </a:blipFill>
@@ -2840,19 +2591,42 @@
       </p:sp>
       <p:pic>
         <p:nvPicPr>
-          <p:cNvPr id="44" name="Рисунок 5" descr=""/>
+          <p:cNvPr id="41" name="Рисунок 5" descr=""/>
+          <p:cNvPicPr/>
+          <p:nvPr/>
+        </p:nvPicPr>
+        <p:blipFill>
+          <a:blip r:embed="rId2"/>
+          <a:srcRect l="0" t="30398" r="0" b="28998"/>
+          <a:stretch/>
+        </p:blipFill>
+        <p:spPr>
+          <a:xfrm>
+            <a:off x="351000" y="3790440"/>
+            <a:ext cx="1287360" cy="1131480"/>
+          </a:xfrm>
+          <a:prstGeom prst="rect">
+            <a:avLst/>
+          </a:prstGeom>
+          <a:ln w="0">
+            <a:noFill/>
+          </a:ln>
+        </p:spPr>
+      </p:pic>
+      <p:pic>
+        <p:nvPicPr>
+          <p:cNvPr id="42" name="Рисунок 7" descr=""/>
           <p:cNvPicPr/>
           <p:nvPr/>
         </p:nvPicPr>
         <p:blipFill>
           <a:blip r:embed="rId3"/>
-          <a:srcRect l="0" t="30398" r="0" b="28998"/>
           <a:stretch/>
         </p:blipFill>
         <p:spPr>
           <a:xfrm>
-            <a:off x="351000" y="3790440"/>
-            <a:ext cx="1285560" cy="1129680"/>
+            <a:off x="2258640" y="0"/>
+            <a:ext cx="7565400" cy="5141160"/>
           </a:xfrm>
           <a:prstGeom prst="rect">
             <a:avLst/>
@@ -2864,14 +2638,14 @@
       </p:pic>
       <p:sp>
         <p:nvSpPr>
-          <p:cNvPr id="45" name=""/>
+          <p:cNvPr id="43" name=""/>
           <p:cNvSpPr/>
           <p:nvPr/>
         </p:nvSpPr>
         <p:spPr>
           <a:xfrm>
             <a:off x="466200" y="1728360"/>
-            <a:ext cx="4735800" cy="1023480"/>
+            <a:ext cx="4744800" cy="1023120"/>
           </a:xfrm>
           <a:prstGeom prst="rect">
             <a:avLst/>
@@ -2899,16 +2673,19 @@
               <a:buNone/>
             </a:pPr>
             <a:r>
-              <a:rPr b="1" lang="en-US" sz="3400" spc="-1" strike="noStrike">
+              <a:rPr b="1" lang="en-US" sz="3300" spc="-1" strike="noStrike">
                 <a:solidFill>
-                  <a:srgbClr val="000000"/>
+                  <a:srgbClr val="ffffff"/>
                 </a:solidFill>
                 <a:latin typeface="Arial Black"/>
                 <a:ea typeface="DejaVu Sans"/>
               </a:rPr>
               <a:t>TITLE</a:t>
             </a:r>
-            <a:endParaRPr b="0" lang="en-US" sz="3400" spc="-1" strike="noStrike">
+            <a:endParaRPr b="0" lang="en-US" sz="3300" spc="-1" strike="noStrike">
+              <a:solidFill>
+                <a:srgbClr val="ffffff"/>
+              </a:solidFill>
               <a:latin typeface="Arial"/>
             </a:endParaRPr>
           </a:p>
